--- a/Predictive_Modeling/PPT/Seminar 12 - Text Mining.pptx
+++ b/Predictive_Modeling/PPT/Seminar 12 - Text Mining.pptx
@@ -2,13 +2,13 @@
 <file path=ppt/presentation.xml><?xml version="1.0" encoding="utf-8"?>
 <p:presentation xmlns:a="http://schemas.openxmlformats.org/drawingml/2006/main" xmlns:r="http://schemas.openxmlformats.org/officeDocument/2006/relationships" xmlns:p="http://schemas.openxmlformats.org/presentationml/2006/main" showSpecialPlsOnTitleSld="0" saveSubsetFonts="1">
   <p:sldMasterIdLst>
-    <p:sldMasterId id="2147483661" r:id="rId1"/>
+    <p:sldMasterId id="2147483674" r:id="rId1"/>
   </p:sldMasterIdLst>
   <p:notesMasterIdLst>
-    <p:notesMasterId r:id="rId22"/>
+    <p:notesMasterId r:id="rId21"/>
   </p:notesMasterIdLst>
   <p:handoutMasterIdLst>
-    <p:handoutMasterId r:id="rId23"/>
+    <p:handoutMasterId r:id="rId22"/>
   </p:handoutMasterIdLst>
   <p:sldIdLst>
     <p:sldId id="256" r:id="rId2"/>
@@ -26,11 +26,10 @@
     <p:sldId id="317" r:id="rId14"/>
     <p:sldId id="318" r:id="rId15"/>
     <p:sldId id="319" r:id="rId16"/>
-    <p:sldId id="321" r:id="rId17"/>
-    <p:sldId id="320" r:id="rId18"/>
-    <p:sldId id="323" r:id="rId19"/>
-    <p:sldId id="322" r:id="rId20"/>
-    <p:sldId id="266" r:id="rId21"/>
+    <p:sldId id="320" r:id="rId17"/>
+    <p:sldId id="323" r:id="rId18"/>
+    <p:sldId id="322" r:id="rId19"/>
+    <p:sldId id="266" r:id="rId20"/>
   </p:sldIdLst>
   <p:sldSz cx="12192000" cy="6858000"/>
   <p:notesSz cx="6858000" cy="9144000"/>
@@ -222,7 +221,7 @@
           <a:p>
             <a:fld id="{12E2E0BF-1E19-48CE-A5B4-11AA1325EE0B}" type="datetimeFigureOut">
               <a:rPr lang="en-US" smtClean="0"/>
-              <a:t>8/4/2018</a:t>
+              <a:t>8/11/2018</a:t>
             </a:fld>
             <a:endParaRPr lang="en-US" dirty="0"/>
           </a:p>
@@ -387,7 +386,7 @@
           <a:p>
             <a:fld id="{B3E6BC81-1184-4954-A4F1-6E56C89D84BE}" type="datetimeFigureOut">
               <a:rPr lang="en-US" smtClean="0"/>
-              <a:t>8/4/2018</a:t>
+              <a:t>8/11/2018</a:t>
             </a:fld>
             <a:endParaRPr lang="en-US" dirty="0"/>
           </a:p>
@@ -787,7 +786,7 @@
         </p:nvSpPr>
         <p:spPr>
           <a:xfrm>
-            <a:off x="152400" y="6443433"/>
+            <a:off x="152400" y="6485768"/>
             <a:ext cx="2743200" cy="365125"/>
           </a:xfrm>
         </p:spPr>
@@ -815,7 +814,7 @@
         </p:nvSpPr>
         <p:spPr>
           <a:xfrm>
-            <a:off x="4038600" y="6443434"/>
+            <a:off x="4038600" y="6485769"/>
             <a:ext cx="4114800" cy="365125"/>
           </a:xfrm>
         </p:spPr>
@@ -843,7 +842,7 @@
         </p:nvSpPr>
         <p:spPr>
           <a:xfrm>
-            <a:off x="9361714" y="6443432"/>
+            <a:off x="9361714" y="6485767"/>
             <a:ext cx="2743200" cy="365125"/>
           </a:xfrm>
         </p:spPr>
@@ -862,7 +861,7 @@
     </p:spTree>
     <p:extLst>
       <p:ext uri="{BB962C8B-B14F-4D97-AF65-F5344CB8AC3E}">
-        <p14:creationId xmlns:p14="http://schemas.microsoft.com/office/powerpoint/2010/main" val="3184244823"/>
+        <p14:creationId xmlns:p14="http://schemas.microsoft.com/office/powerpoint/2010/main" val="415902274"/>
       </p:ext>
     </p:extLst>
   </p:cSld>
@@ -1122,7 +1121,7 @@
     </p:spTree>
     <p:extLst>
       <p:ext uri="{BB962C8B-B14F-4D97-AF65-F5344CB8AC3E}">
-        <p14:creationId xmlns:p14="http://schemas.microsoft.com/office/powerpoint/2010/main" val="2503771199"/>
+        <p14:creationId xmlns:p14="http://schemas.microsoft.com/office/powerpoint/2010/main" val="3554249661"/>
       </p:ext>
     </p:extLst>
   </p:cSld>
@@ -1299,7 +1298,7 @@
     </p:spTree>
     <p:extLst>
       <p:ext uri="{BB962C8B-B14F-4D97-AF65-F5344CB8AC3E}">
-        <p14:creationId xmlns:p14="http://schemas.microsoft.com/office/powerpoint/2010/main" val="3028650806"/>
+        <p14:creationId xmlns:p14="http://schemas.microsoft.com/office/powerpoint/2010/main" val="621166232"/>
       </p:ext>
     </p:extLst>
   </p:cSld>
@@ -1481,7 +1480,7 @@
     </p:spTree>
     <p:extLst>
       <p:ext uri="{BB962C8B-B14F-4D97-AF65-F5344CB8AC3E}">
-        <p14:creationId xmlns:p14="http://schemas.microsoft.com/office/powerpoint/2010/main" val="1996458397"/>
+        <p14:creationId xmlns:p14="http://schemas.microsoft.com/office/powerpoint/2010/main" val="3688519509"/>
       </p:ext>
     </p:extLst>
   </p:cSld>
@@ -1731,7 +1730,7 @@
     </p:spTree>
     <p:extLst>
       <p:ext uri="{BB962C8B-B14F-4D97-AF65-F5344CB8AC3E}">
-        <p14:creationId xmlns:p14="http://schemas.microsoft.com/office/powerpoint/2010/main" val="1683905768"/>
+        <p14:creationId xmlns:p14="http://schemas.microsoft.com/office/powerpoint/2010/main" val="1495321718"/>
       </p:ext>
     </p:extLst>
   </p:cSld>
@@ -1848,7 +1847,7 @@
             <a:lvl1pPr>
               <a:defRPr>
                 <a:solidFill>
-                  <a:srgbClr val="0070C0"/>
+                  <a:srgbClr val="00B4B0"/>
                 </a:solidFill>
               </a:defRPr>
             </a:lvl1pPr>
@@ -1879,7 +1878,7 @@
             <a:lvl1pPr>
               <a:defRPr>
                 <a:solidFill>
-                  <a:srgbClr val="0070C0"/>
+                  <a:srgbClr val="00B4B0"/>
                 </a:solidFill>
               </a:defRPr>
             </a:lvl1pPr>
@@ -1894,36 +1893,6 @@
           </a:p>
         </p:txBody>
       </p:sp>
-      <p:cxnSp>
-        <p:nvCxnSpPr>
-          <p:cNvPr id="9" name="Straight Connector 8"/>
-          <p:cNvCxnSpPr/>
-          <p:nvPr/>
-        </p:nvCxnSpPr>
-        <p:spPr>
-          <a:xfrm>
-            <a:off x="0" y="6342743"/>
-            <a:ext cx="12192000" cy="0"/>
-          </a:xfrm>
-          <a:prstGeom prst="line">
-            <a:avLst/>
-          </a:prstGeom>
-        </p:spPr>
-        <p:style>
-          <a:lnRef idx="1">
-            <a:schemeClr val="accent1"/>
-          </a:lnRef>
-          <a:fillRef idx="0">
-            <a:schemeClr val="accent1"/>
-          </a:fillRef>
-          <a:effectRef idx="0">
-            <a:schemeClr val="accent1"/>
-          </a:effectRef>
-          <a:fontRef idx="minor">
-            <a:schemeClr val="tx1"/>
-          </a:fontRef>
-        </p:style>
-      </p:cxnSp>
       <p:sp>
         <p:nvSpPr>
           <p:cNvPr id="10" name="Footer Placeholder 4"/>
@@ -1949,7 +1918,7 @@
             <a:lvl1pPr algn="ctr">
               <a:defRPr sz="1200">
                 <a:solidFill>
-                  <a:srgbClr val="0070C0"/>
+                  <a:srgbClr val="00B4B0"/>
                 </a:solidFill>
               </a:defRPr>
             </a:lvl1pPr>
@@ -1966,7 +1935,7 @@
     </p:spTree>
     <p:extLst>
       <p:ext uri="{BB962C8B-B14F-4D97-AF65-F5344CB8AC3E}">
-        <p14:creationId xmlns:p14="http://schemas.microsoft.com/office/powerpoint/2010/main" val="2944488653"/>
+        <p14:creationId xmlns:p14="http://schemas.microsoft.com/office/powerpoint/2010/main" val="3622755900"/>
       </p:ext>
     </p:extLst>
   </p:cSld>
@@ -2220,7 +2189,7 @@
     </p:spTree>
     <p:extLst>
       <p:ext uri="{BB962C8B-B14F-4D97-AF65-F5344CB8AC3E}">
-        <p14:creationId xmlns:p14="http://schemas.microsoft.com/office/powerpoint/2010/main" val="2920025911"/>
+        <p14:creationId xmlns:p14="http://schemas.microsoft.com/office/powerpoint/2010/main" val="1337976047"/>
       </p:ext>
     </p:extLst>
   </p:cSld>
@@ -2266,6 +2235,7 @@
               <a:rPr lang="en-US"/>
               <a:t>Click to edit Master title style</a:t>
             </a:r>
+            <a:endParaRPr lang="en-US" dirty="0"/>
           </a:p>
         </p:txBody>
       </p:sp>
@@ -2281,8 +2251,8 @@
         </p:nvSpPr>
         <p:spPr>
           <a:xfrm>
-            <a:off x="838200" y="1825625"/>
-            <a:ext cx="5181600" cy="4351338"/>
+            <a:off x="406400" y="1354666"/>
+            <a:ext cx="5613400" cy="5046134"/>
           </a:xfrm>
         </p:spPr>
         <p:txBody>
@@ -2389,8 +2359,8 @@
         </p:nvSpPr>
         <p:spPr>
           <a:xfrm>
-            <a:off x="6172200" y="1825625"/>
-            <a:ext cx="5181600" cy="4351338"/>
+            <a:off x="6172199" y="1354666"/>
+            <a:ext cx="5469467" cy="5046134"/>
           </a:xfrm>
         </p:spPr>
         <p:txBody>
@@ -2430,6 +2400,7 @@
               <a:rPr lang="en-US"/>
               <a:t>Fifth level</a:t>
             </a:r>
+            <a:endParaRPr lang="en-US" dirty="0"/>
           </a:p>
         </p:txBody>
       </p:sp>
@@ -2505,7 +2476,7 @@
     </p:spTree>
     <p:extLst>
       <p:ext uri="{BB962C8B-B14F-4D97-AF65-F5344CB8AC3E}">
-        <p14:creationId xmlns:p14="http://schemas.microsoft.com/office/powerpoint/2010/main" val="2456643818"/>
+        <p14:creationId xmlns:p14="http://schemas.microsoft.com/office/powerpoint/2010/main" val="3016011619"/>
       </p:ext>
     </p:extLst>
   </p:cSld>
@@ -2544,8 +2515,8 @@
         </p:nvSpPr>
         <p:spPr>
           <a:xfrm>
-            <a:off x="839788" y="161926"/>
-            <a:ext cx="8536439" cy="1325563"/>
+            <a:off x="381000" y="5555"/>
+            <a:ext cx="10151533" cy="1325563"/>
           </a:xfrm>
         </p:spPr>
         <p:txBody>
@@ -2566,17 +2537,17 @@
             <a:spLocks noGrp="1"/>
           </p:cNvSpPr>
           <p:nvPr>
-            <p:ph type="body" idx="1"/>
+            <p:ph type="body" idx="1" hasCustomPrompt="1"/>
           </p:nvPr>
         </p:nvSpPr>
         <p:spPr>
           <a:xfrm>
-            <a:off x="839788" y="1681163"/>
-            <a:ext cx="5157787" cy="823912"/>
+            <a:off x="381000" y="1444096"/>
+            <a:ext cx="5616575" cy="823912"/>
           </a:xfrm>
         </p:spPr>
         <p:txBody>
-          <a:bodyPr anchor="b"/>
+          <a:bodyPr anchor="ctr"/>
           <a:lstStyle>
             <a:lvl1pPr marL="0" indent="0">
               <a:buNone/>
@@ -2618,86 +2589,86 @@
           <a:p>
             <a:pPr lvl="0"/>
             <a:r>
+              <a:rPr lang="en-US" dirty="0"/>
+              <a:t>Click to edit Master text styles</a:t>
+            </a:r>
+          </a:p>
+        </p:txBody>
+      </p:sp>
+      <p:sp>
+        <p:nvSpPr>
+          <p:cNvPr id="4" name="Content Placeholder 3"/>
+          <p:cNvSpPr>
+            <a:spLocks noGrp="1"/>
+          </p:cNvSpPr>
+          <p:nvPr>
+            <p:ph sz="half" idx="2"/>
+          </p:nvPr>
+        </p:nvSpPr>
+        <p:spPr>
+          <a:xfrm>
+            <a:off x="381000" y="2268007"/>
+            <a:ext cx="5616575" cy="4014259"/>
+          </a:xfrm>
+        </p:spPr>
+        <p:txBody>
+          <a:bodyPr/>
+          <a:lstStyle/>
+          <a:p>
+            <a:pPr lvl="0"/>
+            <a:r>
               <a:rPr lang="en-US"/>
               <a:t>Edit Master text styles</a:t>
             </a:r>
           </a:p>
-        </p:txBody>
-      </p:sp>
-      <p:sp>
-        <p:nvSpPr>
-          <p:cNvPr id="4" name="Content Placeholder 3"/>
-          <p:cNvSpPr>
-            <a:spLocks noGrp="1"/>
-          </p:cNvSpPr>
-          <p:nvPr>
-            <p:ph sz="half" idx="2"/>
+          <a:p>
+            <a:pPr lvl="1"/>
+            <a:r>
+              <a:rPr lang="en-US"/>
+              <a:t>Second level</a:t>
+            </a:r>
+          </a:p>
+          <a:p>
+            <a:pPr lvl="2"/>
+            <a:r>
+              <a:rPr lang="en-US"/>
+              <a:t>Third level</a:t>
+            </a:r>
+          </a:p>
+          <a:p>
+            <a:pPr lvl="3"/>
+            <a:r>
+              <a:rPr lang="en-US"/>
+              <a:t>Fourth level</a:t>
+            </a:r>
+          </a:p>
+          <a:p>
+            <a:pPr lvl="4"/>
+            <a:r>
+              <a:rPr lang="en-US"/>
+              <a:t>Fifth level</a:t>
+            </a:r>
+          </a:p>
+        </p:txBody>
+      </p:sp>
+      <p:sp>
+        <p:nvSpPr>
+          <p:cNvPr id="5" name="Text Placeholder 4"/>
+          <p:cNvSpPr>
+            <a:spLocks noGrp="1"/>
+          </p:cNvSpPr>
+          <p:nvPr>
+            <p:ph type="body" sz="quarter" idx="3" hasCustomPrompt="1"/>
           </p:nvPr>
         </p:nvSpPr>
         <p:spPr>
           <a:xfrm>
-            <a:off x="839788" y="2505075"/>
-            <a:ext cx="5157787" cy="3684588"/>
+            <a:off x="6172200" y="1444096"/>
+            <a:ext cx="5638800" cy="823912"/>
           </a:xfrm>
         </p:spPr>
         <p:txBody>
-          <a:bodyPr/>
-          <a:lstStyle/>
-          <a:p>
-            <a:pPr lvl="0"/>
-            <a:r>
-              <a:rPr lang="en-US"/>
-              <a:t>Edit Master text styles</a:t>
-            </a:r>
-          </a:p>
-          <a:p>
-            <a:pPr lvl="1"/>
-            <a:r>
-              <a:rPr lang="en-US"/>
-              <a:t>Second level</a:t>
-            </a:r>
-          </a:p>
-          <a:p>
-            <a:pPr lvl="2"/>
-            <a:r>
-              <a:rPr lang="en-US"/>
-              <a:t>Third level</a:t>
-            </a:r>
-          </a:p>
-          <a:p>
-            <a:pPr lvl="3"/>
-            <a:r>
-              <a:rPr lang="en-US"/>
-              <a:t>Fourth level</a:t>
-            </a:r>
-          </a:p>
-          <a:p>
-            <a:pPr lvl="4"/>
-            <a:r>
-              <a:rPr lang="en-US"/>
-              <a:t>Fifth level</a:t>
-            </a:r>
-          </a:p>
-        </p:txBody>
-      </p:sp>
-      <p:sp>
-        <p:nvSpPr>
-          <p:cNvPr id="5" name="Text Placeholder 4"/>
-          <p:cNvSpPr>
-            <a:spLocks noGrp="1"/>
-          </p:cNvSpPr>
-          <p:nvPr>
-            <p:ph type="body" sz="quarter" idx="3"/>
-          </p:nvPr>
-        </p:nvSpPr>
-        <p:spPr>
-          <a:xfrm>
-            <a:off x="6172200" y="1681163"/>
-            <a:ext cx="5183188" cy="823912"/>
-          </a:xfrm>
-        </p:spPr>
-        <p:txBody>
-          <a:bodyPr anchor="b"/>
+          <a:bodyPr anchor="ctr"/>
           <a:lstStyle>
             <a:lvl1pPr marL="0" indent="0">
               <a:buNone/>
@@ -2739,8 +2710,8 @@
           <a:p>
             <a:pPr lvl="0"/>
             <a:r>
-              <a:rPr lang="en-US"/>
-              <a:t>Edit Master text styles</a:t>
+              <a:rPr lang="en-US" dirty="0"/>
+              <a:t>Click to edit Master text styles</a:t>
             </a:r>
           </a:p>
         </p:txBody>
@@ -2757,8 +2728,8 @@
         </p:nvSpPr>
         <p:spPr>
           <a:xfrm>
-            <a:off x="6172200" y="2505075"/>
-            <a:ext cx="5183188" cy="3684588"/>
+            <a:off x="6172199" y="2268007"/>
+            <a:ext cx="5616575" cy="4014259"/>
           </a:xfrm>
         </p:spPr>
         <p:txBody>
@@ -2873,7 +2844,7 @@
     </p:spTree>
     <p:extLst>
       <p:ext uri="{BB962C8B-B14F-4D97-AF65-F5344CB8AC3E}">
-        <p14:creationId xmlns:p14="http://schemas.microsoft.com/office/powerpoint/2010/main" val="649367323"/>
+        <p14:creationId xmlns:p14="http://schemas.microsoft.com/office/powerpoint/2010/main" val="2068777022"/>
       </p:ext>
     </p:extLst>
   </p:cSld>
@@ -2944,7 +2915,7 @@
             <a:lvl1pPr>
               <a:defRPr>
                 <a:solidFill>
-                  <a:srgbClr val="0070C0"/>
+                  <a:srgbClr val="00B4B0"/>
                 </a:solidFill>
               </a:defRPr>
             </a:lvl1pPr>
@@ -2975,7 +2946,7 @@
             <a:lvl1pPr>
               <a:defRPr>
                 <a:solidFill>
-                  <a:srgbClr val="0070C0"/>
+                  <a:srgbClr val="00B4B0"/>
                 </a:solidFill>
               </a:defRPr>
             </a:lvl1pPr>
@@ -3015,7 +2986,7 @@
             <a:lvl1pPr algn="ctr">
               <a:defRPr sz="1200">
                 <a:solidFill>
-                  <a:srgbClr val="0070C0"/>
+                  <a:srgbClr val="00B4B0"/>
                 </a:solidFill>
               </a:defRPr>
             </a:lvl1pPr>
@@ -3032,7 +3003,7 @@
     </p:spTree>
     <p:extLst>
       <p:ext uri="{BB962C8B-B14F-4D97-AF65-F5344CB8AC3E}">
-        <p14:creationId xmlns:p14="http://schemas.microsoft.com/office/powerpoint/2010/main" val="1334591382"/>
+        <p14:creationId xmlns:p14="http://schemas.microsoft.com/office/powerpoint/2010/main" val="440264813"/>
       </p:ext>
     </p:extLst>
   </p:cSld>
@@ -3131,7 +3102,7 @@
     </p:spTree>
     <p:extLst>
       <p:ext uri="{BB962C8B-B14F-4D97-AF65-F5344CB8AC3E}">
-        <p14:creationId xmlns:p14="http://schemas.microsoft.com/office/powerpoint/2010/main" val="266348371"/>
+        <p14:creationId xmlns:p14="http://schemas.microsoft.com/office/powerpoint/2010/main" val="2134606889"/>
       </p:ext>
     </p:extLst>
   </p:cSld>
@@ -3407,40 +3378,10 @@
           </a:p>
         </p:txBody>
       </p:sp>
-      <p:cxnSp>
-        <p:nvCxnSpPr>
-          <p:cNvPr id="11" name="Straight Connector 10"/>
-          <p:cNvCxnSpPr/>
-          <p:nvPr/>
-        </p:nvCxnSpPr>
-        <p:spPr>
-          <a:xfrm>
-            <a:off x="0" y="6342743"/>
-            <a:ext cx="12192000" cy="0"/>
-          </a:xfrm>
-          <a:prstGeom prst="line">
-            <a:avLst/>
-          </a:prstGeom>
-        </p:spPr>
-        <p:style>
-          <a:lnRef idx="1">
-            <a:schemeClr val="accent1"/>
-          </a:lnRef>
-          <a:fillRef idx="0">
-            <a:schemeClr val="accent1"/>
-          </a:fillRef>
-          <a:effectRef idx="0">
-            <a:schemeClr val="accent1"/>
-          </a:effectRef>
-          <a:fontRef idx="minor">
-            <a:schemeClr val="tx1"/>
-          </a:fontRef>
-        </p:style>
-      </p:cxnSp>
     </p:spTree>
     <p:extLst>
       <p:ext uri="{BB962C8B-B14F-4D97-AF65-F5344CB8AC3E}">
-        <p14:creationId xmlns:p14="http://schemas.microsoft.com/office/powerpoint/2010/main" val="4284597888"/>
+        <p14:creationId xmlns:p14="http://schemas.microsoft.com/office/powerpoint/2010/main" val="3809991432"/>
       </p:ext>
     </p:extLst>
   </p:cSld>
@@ -3617,8 +3558,8 @@
         </p:nvSpPr>
         <p:spPr>
           <a:xfrm>
-            <a:off x="406400" y="91440"/>
-            <a:ext cx="11393714" cy="1234123"/>
+            <a:off x="406400" y="6770"/>
+            <a:ext cx="10049933" cy="1234123"/>
           </a:xfrm>
           <a:prstGeom prst="rect">
             <a:avLst/>
@@ -3649,8 +3590,8 @@
         </p:nvSpPr>
         <p:spPr>
           <a:xfrm>
-            <a:off x="406400" y="1489166"/>
-            <a:ext cx="11393714" cy="4687797"/>
+            <a:off x="406400" y="1337187"/>
+            <a:ext cx="11393714" cy="5064803"/>
           </a:xfrm>
           <a:prstGeom prst="rect">
             <a:avLst/>
@@ -3858,12 +3799,55 @@
           </a:fontRef>
         </p:style>
       </p:cxnSp>
+      <p:pic>
+        <p:nvPicPr>
+          <p:cNvPr id="10" name="Picture 9" descr="A close up of a sign&#10;&#10;Description generated with very high confidence">
+            <a:extLst>
+              <a:ext uri="{FF2B5EF4-FFF2-40B4-BE49-F238E27FC236}">
+                <a16:creationId xmlns:a16="http://schemas.microsoft.com/office/drawing/2014/main" id="{6D9D6532-6138-406D-8115-7BAFD8D73FEB}"/>
+              </a:ext>
+            </a:extLst>
+          </p:cNvPr>
+          <p:cNvPicPr>
+            <a:picLocks noChangeAspect="1"/>
+          </p:cNvPicPr>
+          <p:nvPr/>
+        </p:nvPicPr>
+        <p:blipFill>
+          <a:blip r:embed="rId16">
+            <a:duotone>
+              <a:schemeClr val="bg2">
+                <a:shade val="45000"/>
+                <a:satMod val="135000"/>
+              </a:schemeClr>
+              <a:prstClr val="white"/>
+            </a:duotone>
+            <a:extLst>
+              <a:ext uri="{28A0092B-C50C-407E-A947-70E740481C1C}">
+                <a14:useLocalDpi xmlns:a14="http://schemas.microsoft.com/office/drawing/2010/main" val="0"/>
+              </a:ext>
+            </a:extLst>
+          </a:blip>
+          <a:stretch>
+            <a:fillRect/>
+          </a:stretch>
+        </p:blipFill>
+        <p:spPr>
+          <a:xfrm>
+            <a:off x="10634133" y="96294"/>
+            <a:ext cx="1165981" cy="1229580"/>
+          </a:xfrm>
+          <a:prstGeom prst="rect">
+            <a:avLst/>
+          </a:prstGeom>
+        </p:spPr>
+      </p:pic>
       <p:cxnSp>
         <p:nvCxnSpPr>
-          <p:cNvPr id="10" name="Straight Connector 9">
+          <p:cNvPr id="11" name="Straight Connector 10">
             <a:extLst>
               <a:ext uri="{FF2B5EF4-FFF2-40B4-BE49-F238E27FC236}">
-                <a16:creationId xmlns:a16="http://schemas.microsoft.com/office/drawing/2014/main" id="{93ADFD60-FDE3-4BA6-8AB9-1F7443A2A7FB}"/>
+                <a16:creationId xmlns:a16="http://schemas.microsoft.com/office/drawing/2014/main" id="{2AB3A7D9-F249-4715-AE0A-1D59EF54D9BF}"/>
               </a:ext>
             </a:extLst>
           </p:cNvPr>
@@ -3902,24 +3886,24 @@
     </p:spTree>
     <p:extLst>
       <p:ext uri="{BB962C8B-B14F-4D97-AF65-F5344CB8AC3E}">
-        <p14:creationId xmlns:p14="http://schemas.microsoft.com/office/powerpoint/2010/main" val="2166479738"/>
+        <p14:creationId xmlns:p14="http://schemas.microsoft.com/office/powerpoint/2010/main" val="4016688986"/>
       </p:ext>
     </p:extLst>
   </p:cSld>
   <p:clrMap bg1="lt1" tx1="dk1" bg2="lt2" tx2="dk2" accent1="accent1" accent2="accent2" accent3="accent3" accent4="accent4" accent5="accent5" accent6="accent6" hlink="hlink" folHlink="folHlink"/>
   <p:sldLayoutIdLst>
-    <p:sldLayoutId id="2147483662" r:id="rId1"/>
-    <p:sldLayoutId id="2147483663" r:id="rId2"/>
-    <p:sldLayoutId id="2147483664" r:id="rId3"/>
-    <p:sldLayoutId id="2147483665" r:id="rId4"/>
-    <p:sldLayoutId id="2147483666" r:id="rId5"/>
-    <p:sldLayoutId id="2147483667" r:id="rId6"/>
-    <p:sldLayoutId id="2147483668" r:id="rId7"/>
-    <p:sldLayoutId id="2147483669" r:id="rId8"/>
-    <p:sldLayoutId id="2147483670" r:id="rId9"/>
-    <p:sldLayoutId id="2147483671" r:id="rId10"/>
-    <p:sldLayoutId id="2147483672" r:id="rId11"/>
-    <p:sldLayoutId id="2147483673" r:id="rId12"/>
+    <p:sldLayoutId id="2147483675" r:id="rId1"/>
+    <p:sldLayoutId id="2147483676" r:id="rId2"/>
+    <p:sldLayoutId id="2147483677" r:id="rId3"/>
+    <p:sldLayoutId id="2147483678" r:id="rId4"/>
+    <p:sldLayoutId id="2147483679" r:id="rId5"/>
+    <p:sldLayoutId id="2147483680" r:id="rId6"/>
+    <p:sldLayoutId id="2147483681" r:id="rId7"/>
+    <p:sldLayoutId id="2147483682" r:id="rId8"/>
+    <p:sldLayoutId id="2147483683" r:id="rId9"/>
+    <p:sldLayoutId id="2147483684" r:id="rId10"/>
+    <p:sldLayoutId id="2147483685" r:id="rId11"/>
+    <p:sldLayoutId id="2147483686" r:id="rId12"/>
   </p:sldLayoutIdLst>
   <p:hf hdr="0"/>
   <p:txStyles>
@@ -8365,198 +8349,6 @@
           <p:cNvPr id="2" name="Title 1">
             <a:extLst>
               <a:ext uri="{FF2B5EF4-FFF2-40B4-BE49-F238E27FC236}">
-                <a16:creationId xmlns:a16="http://schemas.microsoft.com/office/drawing/2014/main" id="{0350F08D-E947-4566-8D3B-C54A1D7AFB80}"/>
-              </a:ext>
-            </a:extLst>
-          </p:cNvPr>
-          <p:cNvSpPr>
-            <a:spLocks noGrp="1"/>
-          </p:cNvSpPr>
-          <p:nvPr>
-            <p:ph type="title"/>
-          </p:nvPr>
-        </p:nvSpPr>
-        <p:spPr/>
-        <p:txBody>
-          <a:bodyPr/>
-          <a:lstStyle/>
-          <a:p>
-            <a:endParaRPr lang="en-US"/>
-          </a:p>
-        </p:txBody>
-      </p:sp>
-      <p:sp>
-        <p:nvSpPr>
-          <p:cNvPr id="3" name="Content Placeholder 2">
-            <a:extLst>
-              <a:ext uri="{FF2B5EF4-FFF2-40B4-BE49-F238E27FC236}">
-                <a16:creationId xmlns:a16="http://schemas.microsoft.com/office/drawing/2014/main" id="{ACBC7DC3-804F-4B79-9D4A-D24D28C843FA}"/>
-              </a:ext>
-            </a:extLst>
-          </p:cNvPr>
-          <p:cNvSpPr>
-            <a:spLocks noGrp="1"/>
-          </p:cNvSpPr>
-          <p:nvPr>
-            <p:ph sz="half" idx="1"/>
-          </p:nvPr>
-        </p:nvSpPr>
-        <p:spPr/>
-        <p:txBody>
-          <a:bodyPr/>
-          <a:lstStyle/>
-          <a:p>
-            <a:endParaRPr lang="en-US"/>
-          </a:p>
-        </p:txBody>
-      </p:sp>
-      <p:sp>
-        <p:nvSpPr>
-          <p:cNvPr id="4" name="Content Placeholder 3">
-            <a:extLst>
-              <a:ext uri="{FF2B5EF4-FFF2-40B4-BE49-F238E27FC236}">
-                <a16:creationId xmlns:a16="http://schemas.microsoft.com/office/drawing/2014/main" id="{53C9B650-DC0B-44E3-9855-D1713230CA7E}"/>
-              </a:ext>
-            </a:extLst>
-          </p:cNvPr>
-          <p:cNvSpPr>
-            <a:spLocks noGrp="1"/>
-          </p:cNvSpPr>
-          <p:nvPr>
-            <p:ph sz="half" idx="2"/>
-          </p:nvPr>
-        </p:nvSpPr>
-        <p:spPr/>
-        <p:txBody>
-          <a:bodyPr/>
-          <a:lstStyle/>
-          <a:p>
-            <a:endParaRPr lang="en-US"/>
-          </a:p>
-        </p:txBody>
-      </p:sp>
-      <p:sp>
-        <p:nvSpPr>
-          <p:cNvPr id="5" name="Date Placeholder 4">
-            <a:extLst>
-              <a:ext uri="{FF2B5EF4-FFF2-40B4-BE49-F238E27FC236}">
-                <a16:creationId xmlns:a16="http://schemas.microsoft.com/office/drawing/2014/main" id="{F97BE51E-A166-4458-B294-D6FC196B68C1}"/>
-              </a:ext>
-            </a:extLst>
-          </p:cNvPr>
-          <p:cNvSpPr>
-            <a:spLocks noGrp="1"/>
-          </p:cNvSpPr>
-          <p:nvPr>
-            <p:ph type="dt" sz="half" idx="10"/>
-          </p:nvPr>
-        </p:nvSpPr>
-        <p:spPr/>
-        <p:txBody>
-          <a:bodyPr/>
-          <a:lstStyle/>
-          <a:p>
-            <a:r>
-              <a:rPr lang="en-US"/>
-              <a:t>8/4/2018</a:t>
-            </a:r>
-            <a:endParaRPr lang="en-US" dirty="0"/>
-          </a:p>
-        </p:txBody>
-      </p:sp>
-      <p:sp>
-        <p:nvSpPr>
-          <p:cNvPr id="6" name="Footer Placeholder 5">
-            <a:extLst>
-              <a:ext uri="{FF2B5EF4-FFF2-40B4-BE49-F238E27FC236}">
-                <a16:creationId xmlns:a16="http://schemas.microsoft.com/office/drawing/2014/main" id="{AFFF727A-EE7B-4A56-A73F-87FB71C538ED}"/>
-              </a:ext>
-            </a:extLst>
-          </p:cNvPr>
-          <p:cNvSpPr>
-            <a:spLocks noGrp="1"/>
-          </p:cNvSpPr>
-          <p:nvPr>
-            <p:ph type="ftr" sz="quarter" idx="11"/>
-          </p:nvPr>
-        </p:nvSpPr>
-        <p:spPr/>
-        <p:txBody>
-          <a:bodyPr/>
-          <a:lstStyle/>
-          <a:p>
-            <a:r>
-              <a:rPr lang="en-US"/>
-              <a:t>Copyright © 2012 Simulation Educators</a:t>
-            </a:r>
-            <a:endParaRPr lang="en-US" dirty="0"/>
-          </a:p>
-        </p:txBody>
-      </p:sp>
-      <p:sp>
-        <p:nvSpPr>
-          <p:cNvPr id="7" name="Slide Number Placeholder 6">
-            <a:extLst>
-              <a:ext uri="{FF2B5EF4-FFF2-40B4-BE49-F238E27FC236}">
-                <a16:creationId xmlns:a16="http://schemas.microsoft.com/office/drawing/2014/main" id="{7C900ACC-57B0-456A-AD07-111174773F58}"/>
-              </a:ext>
-            </a:extLst>
-          </p:cNvPr>
-          <p:cNvSpPr>
-            <a:spLocks noGrp="1"/>
-          </p:cNvSpPr>
-          <p:nvPr>
-            <p:ph type="sldNum" sz="quarter" idx="12"/>
-          </p:nvPr>
-        </p:nvSpPr>
-        <p:spPr/>
-        <p:txBody>
-          <a:bodyPr/>
-          <a:lstStyle/>
-          <a:p>
-            <a:fld id="{799C26FD-E1A0-49B8-8B03-25A733166562}" type="slidenum">
-              <a:rPr lang="en-US" smtClean="0"/>
-              <a:t>16</a:t>
-            </a:fld>
-            <a:endParaRPr lang="en-US" dirty="0"/>
-          </a:p>
-        </p:txBody>
-      </p:sp>
-    </p:spTree>
-    <p:extLst>
-      <p:ext uri="{BB962C8B-B14F-4D97-AF65-F5344CB8AC3E}">
-        <p14:creationId xmlns:p14="http://schemas.microsoft.com/office/powerpoint/2010/main" val="3788032368"/>
-      </p:ext>
-    </p:extLst>
-  </p:cSld>
-  <p:clrMapOvr>
-    <a:masterClrMapping/>
-  </p:clrMapOvr>
-</p:sld>
-</file>
-
-<file path=ppt/slides/slide17.xml><?xml version="1.0" encoding="utf-8"?>
-<p:sld xmlns:a="http://schemas.openxmlformats.org/drawingml/2006/main" xmlns:r="http://schemas.openxmlformats.org/officeDocument/2006/relationships" xmlns:p="http://schemas.openxmlformats.org/presentationml/2006/main">
-  <p:cSld>
-    <p:spTree>
-      <p:nvGrpSpPr>
-        <p:cNvPr id="1" name=""/>
-        <p:cNvGrpSpPr/>
-        <p:nvPr/>
-      </p:nvGrpSpPr>
-      <p:grpSpPr>
-        <a:xfrm>
-          <a:off x="0" y="0"/>
-          <a:ext cx="0" cy="0"/>
-          <a:chOff x="0" y="0"/>
-          <a:chExt cx="0" cy="0"/>
-        </a:xfrm>
-      </p:grpSpPr>
-      <p:sp>
-        <p:nvSpPr>
-          <p:cNvPr id="2" name="Title 1">
-            <a:extLst>
-              <a:ext uri="{FF2B5EF4-FFF2-40B4-BE49-F238E27FC236}">
                 <a16:creationId xmlns:a16="http://schemas.microsoft.com/office/drawing/2014/main" id="{72AC091E-5C61-470E-A897-8E809F5AAE8F}"/>
               </a:ext>
             </a:extLst>
@@ -8571,7 +8363,7 @@
         <p:spPr/>
         <p:txBody>
           <a:bodyPr vert="horz" lIns="91440" tIns="45720" rIns="91440" bIns="45720" rtlCol="0" anchor="ctr">
-            <a:normAutofit/>
+            <a:normAutofit fontScale="90000"/>
           </a:bodyPr>
           <a:lstStyle/>
           <a:p>
@@ -11577,7 +11369,7 @@
           <a:p>
             <a:fld id="{799C26FD-E1A0-49B8-8B03-25A733166562}" type="slidenum">
               <a:rPr lang="en-US" smtClean="0"/>
-              <a:t>17</a:t>
+              <a:t>16</a:t>
             </a:fld>
             <a:endParaRPr lang="en-US" dirty="0"/>
           </a:p>
@@ -11587,6 +11379,191 @@
     <p:extLst>
       <p:ext uri="{BB962C8B-B14F-4D97-AF65-F5344CB8AC3E}">
         <p14:creationId xmlns:p14="http://schemas.microsoft.com/office/powerpoint/2010/main" val="68363824"/>
+      </p:ext>
+    </p:extLst>
+  </p:cSld>
+  <p:clrMapOvr>
+    <a:masterClrMapping/>
+  </p:clrMapOvr>
+</p:sld>
+</file>
+
+<file path=ppt/slides/slide17.xml><?xml version="1.0" encoding="utf-8"?>
+<p:sld xmlns:a="http://schemas.openxmlformats.org/drawingml/2006/main" xmlns:r="http://schemas.openxmlformats.org/officeDocument/2006/relationships" xmlns:p="http://schemas.openxmlformats.org/presentationml/2006/main">
+  <p:cSld>
+    <p:spTree>
+      <p:nvGrpSpPr>
+        <p:cNvPr id="1" name=""/>
+        <p:cNvGrpSpPr/>
+        <p:nvPr/>
+      </p:nvGrpSpPr>
+      <p:grpSpPr>
+        <a:xfrm>
+          <a:off x="0" y="0"/>
+          <a:ext cx="0" cy="0"/>
+          <a:chOff x="0" y="0"/>
+          <a:chExt cx="0" cy="0"/>
+        </a:xfrm>
+      </p:grpSpPr>
+      <p:sp>
+        <p:nvSpPr>
+          <p:cNvPr id="2" name="Title 1">
+            <a:extLst>
+              <a:ext uri="{FF2B5EF4-FFF2-40B4-BE49-F238E27FC236}">
+                <a16:creationId xmlns:a16="http://schemas.microsoft.com/office/drawing/2014/main" id="{0DB082C7-2424-4A18-A9D1-1743890A09FF}"/>
+              </a:ext>
+            </a:extLst>
+          </p:cNvPr>
+          <p:cNvSpPr>
+            <a:spLocks noGrp="1"/>
+          </p:cNvSpPr>
+          <p:nvPr>
+            <p:ph type="title"/>
+          </p:nvPr>
+        </p:nvSpPr>
+        <p:spPr/>
+        <p:txBody>
+          <a:bodyPr/>
+          <a:lstStyle/>
+          <a:p>
+            <a:r>
+              <a:rPr lang="en-US" dirty="0"/>
+              <a:t>K-means Clustering – How Many </a:t>
+            </a:r>
+            <a:r>
+              <a:rPr lang="en-US" dirty="0" err="1"/>
+              <a:t>Clsusters</a:t>
+            </a:r>
+            <a:r>
+              <a:rPr lang="en-US" dirty="0"/>
+              <a:t>?</a:t>
+            </a:r>
+          </a:p>
+        </p:txBody>
+      </p:sp>
+      <p:pic>
+        <p:nvPicPr>
+          <p:cNvPr id="9" name="Content Placeholder 8">
+            <a:extLst>
+              <a:ext uri="{FF2B5EF4-FFF2-40B4-BE49-F238E27FC236}">
+                <a16:creationId xmlns:a16="http://schemas.microsoft.com/office/drawing/2014/main" id="{2451ADAD-E13C-496E-AC20-DF7C5CCCE6F5}"/>
+              </a:ext>
+            </a:extLst>
+          </p:cNvPr>
+          <p:cNvPicPr>
+            <a:picLocks noGrp="1" noChangeAspect="1"/>
+          </p:cNvPicPr>
+          <p:nvPr>
+            <p:ph idx="1"/>
+          </p:nvPr>
+        </p:nvPicPr>
+        <p:blipFill>
+          <a:blip r:embed="rId2"/>
+          <a:stretch>
+            <a:fillRect/>
+          </a:stretch>
+        </p:blipFill>
+        <p:spPr>
+          <a:xfrm>
+            <a:off x="1748739" y="1336675"/>
+            <a:ext cx="8708810" cy="5065713"/>
+          </a:xfrm>
+          <a:prstGeom prst="rect">
+            <a:avLst/>
+          </a:prstGeom>
+        </p:spPr>
+      </p:pic>
+      <p:sp>
+        <p:nvSpPr>
+          <p:cNvPr id="5" name="Date Placeholder 4">
+            <a:extLst>
+              <a:ext uri="{FF2B5EF4-FFF2-40B4-BE49-F238E27FC236}">
+                <a16:creationId xmlns:a16="http://schemas.microsoft.com/office/drawing/2014/main" id="{CB1AA2AD-6938-4E68-AF09-C7DF9D5490E4}"/>
+              </a:ext>
+            </a:extLst>
+          </p:cNvPr>
+          <p:cNvSpPr>
+            <a:spLocks noGrp="1"/>
+          </p:cNvSpPr>
+          <p:nvPr>
+            <p:ph type="dt" sz="half" idx="10"/>
+          </p:nvPr>
+        </p:nvSpPr>
+        <p:spPr/>
+        <p:txBody>
+          <a:bodyPr/>
+          <a:lstStyle/>
+          <a:p>
+            <a:r>
+              <a:rPr lang="en-US"/>
+              <a:t>8/4/2018</a:t>
+            </a:r>
+            <a:endParaRPr lang="en-US" dirty="0"/>
+          </a:p>
+        </p:txBody>
+      </p:sp>
+      <p:sp>
+        <p:nvSpPr>
+          <p:cNvPr id="7" name="Slide Number Placeholder 6">
+            <a:extLst>
+              <a:ext uri="{FF2B5EF4-FFF2-40B4-BE49-F238E27FC236}">
+                <a16:creationId xmlns:a16="http://schemas.microsoft.com/office/drawing/2014/main" id="{62150556-A38C-4C9C-AF82-96C3901FC96E}"/>
+              </a:ext>
+            </a:extLst>
+          </p:cNvPr>
+          <p:cNvSpPr>
+            <a:spLocks noGrp="1"/>
+          </p:cNvSpPr>
+          <p:nvPr>
+            <p:ph type="sldNum" sz="quarter" idx="12"/>
+          </p:nvPr>
+        </p:nvSpPr>
+        <p:spPr/>
+        <p:txBody>
+          <a:bodyPr/>
+          <a:lstStyle/>
+          <a:p>
+            <a:fld id="{799C26FD-E1A0-49B8-8B03-25A733166562}" type="slidenum">
+              <a:rPr lang="en-US" smtClean="0"/>
+              <a:t>17</a:t>
+            </a:fld>
+            <a:endParaRPr lang="en-US" dirty="0"/>
+          </a:p>
+        </p:txBody>
+      </p:sp>
+      <p:sp>
+        <p:nvSpPr>
+          <p:cNvPr id="6" name="Footer Placeholder 5">
+            <a:extLst>
+              <a:ext uri="{FF2B5EF4-FFF2-40B4-BE49-F238E27FC236}">
+                <a16:creationId xmlns:a16="http://schemas.microsoft.com/office/drawing/2014/main" id="{22614ADA-3A85-4178-9647-C10BE6EB4746}"/>
+              </a:ext>
+            </a:extLst>
+          </p:cNvPr>
+          <p:cNvSpPr>
+            <a:spLocks noGrp="1"/>
+          </p:cNvSpPr>
+          <p:nvPr>
+            <p:ph type="ftr" sz="quarter" idx="3"/>
+          </p:nvPr>
+        </p:nvSpPr>
+        <p:spPr/>
+        <p:txBody>
+          <a:bodyPr/>
+          <a:lstStyle/>
+          <a:p>
+            <a:r>
+              <a:rPr lang="en-US"/>
+              <a:t>Copyright © 2012 Simulation Educators</a:t>
+            </a:r>
+            <a:endParaRPr lang="en-US" dirty="0"/>
+          </a:p>
+        </p:txBody>
+      </p:sp>
+    </p:spTree>
+    <p:extLst>
+      <p:ext uri="{BB962C8B-B14F-4D97-AF65-F5344CB8AC3E}">
+        <p14:creationId xmlns:p14="http://schemas.microsoft.com/office/powerpoint/2010/main" val="3543013649"/>
       </p:ext>
     </p:extLst>
   </p:cSld>
@@ -11615,191 +11592,6 @@
       </p:grpSpPr>
       <p:sp>
         <p:nvSpPr>
-          <p:cNvPr id="2" name="Title 1">
-            <a:extLst>
-              <a:ext uri="{FF2B5EF4-FFF2-40B4-BE49-F238E27FC236}">
-                <a16:creationId xmlns:a16="http://schemas.microsoft.com/office/drawing/2014/main" id="{0DB082C7-2424-4A18-A9D1-1743890A09FF}"/>
-              </a:ext>
-            </a:extLst>
-          </p:cNvPr>
-          <p:cNvSpPr>
-            <a:spLocks noGrp="1"/>
-          </p:cNvSpPr>
-          <p:nvPr>
-            <p:ph type="title"/>
-          </p:nvPr>
-        </p:nvSpPr>
-        <p:spPr/>
-        <p:txBody>
-          <a:bodyPr/>
-          <a:lstStyle/>
-          <a:p>
-            <a:r>
-              <a:rPr lang="en-US" dirty="0"/>
-              <a:t>K-means Clustering – How Many </a:t>
-            </a:r>
-            <a:r>
-              <a:rPr lang="en-US" dirty="0" err="1"/>
-              <a:t>Clsusters</a:t>
-            </a:r>
-            <a:r>
-              <a:rPr lang="en-US" dirty="0"/>
-              <a:t>?</a:t>
-            </a:r>
-          </a:p>
-        </p:txBody>
-      </p:sp>
-      <p:pic>
-        <p:nvPicPr>
-          <p:cNvPr id="9" name="Content Placeholder 8">
-            <a:extLst>
-              <a:ext uri="{FF2B5EF4-FFF2-40B4-BE49-F238E27FC236}">
-                <a16:creationId xmlns:a16="http://schemas.microsoft.com/office/drawing/2014/main" id="{2451ADAD-E13C-496E-AC20-DF7C5CCCE6F5}"/>
-              </a:ext>
-            </a:extLst>
-          </p:cNvPr>
-          <p:cNvPicPr>
-            <a:picLocks noGrp="1" noChangeAspect="1"/>
-          </p:cNvPicPr>
-          <p:nvPr>
-            <p:ph idx="1"/>
-          </p:nvPr>
-        </p:nvPicPr>
-        <p:blipFill>
-          <a:blip r:embed="rId2"/>
-          <a:stretch>
-            <a:fillRect/>
-          </a:stretch>
-        </p:blipFill>
-        <p:spPr>
-          <a:xfrm>
-            <a:off x="2073511" y="1489075"/>
-            <a:ext cx="8059265" cy="4687888"/>
-          </a:xfrm>
-          <a:prstGeom prst="rect">
-            <a:avLst/>
-          </a:prstGeom>
-        </p:spPr>
-      </p:pic>
-      <p:sp>
-        <p:nvSpPr>
-          <p:cNvPr id="5" name="Date Placeholder 4">
-            <a:extLst>
-              <a:ext uri="{FF2B5EF4-FFF2-40B4-BE49-F238E27FC236}">
-                <a16:creationId xmlns:a16="http://schemas.microsoft.com/office/drawing/2014/main" id="{CB1AA2AD-6938-4E68-AF09-C7DF9D5490E4}"/>
-              </a:ext>
-            </a:extLst>
-          </p:cNvPr>
-          <p:cNvSpPr>
-            <a:spLocks noGrp="1"/>
-          </p:cNvSpPr>
-          <p:nvPr>
-            <p:ph type="dt" sz="half" idx="10"/>
-          </p:nvPr>
-        </p:nvSpPr>
-        <p:spPr/>
-        <p:txBody>
-          <a:bodyPr/>
-          <a:lstStyle/>
-          <a:p>
-            <a:r>
-              <a:rPr lang="en-US"/>
-              <a:t>8/4/2018</a:t>
-            </a:r>
-            <a:endParaRPr lang="en-US" dirty="0"/>
-          </a:p>
-        </p:txBody>
-      </p:sp>
-      <p:sp>
-        <p:nvSpPr>
-          <p:cNvPr id="7" name="Slide Number Placeholder 6">
-            <a:extLst>
-              <a:ext uri="{FF2B5EF4-FFF2-40B4-BE49-F238E27FC236}">
-                <a16:creationId xmlns:a16="http://schemas.microsoft.com/office/drawing/2014/main" id="{62150556-A38C-4C9C-AF82-96C3901FC96E}"/>
-              </a:ext>
-            </a:extLst>
-          </p:cNvPr>
-          <p:cNvSpPr>
-            <a:spLocks noGrp="1"/>
-          </p:cNvSpPr>
-          <p:nvPr>
-            <p:ph type="sldNum" sz="quarter" idx="12"/>
-          </p:nvPr>
-        </p:nvSpPr>
-        <p:spPr/>
-        <p:txBody>
-          <a:bodyPr/>
-          <a:lstStyle/>
-          <a:p>
-            <a:fld id="{799C26FD-E1A0-49B8-8B03-25A733166562}" type="slidenum">
-              <a:rPr lang="en-US" smtClean="0"/>
-              <a:t>18</a:t>
-            </a:fld>
-            <a:endParaRPr lang="en-US" dirty="0"/>
-          </a:p>
-        </p:txBody>
-      </p:sp>
-      <p:sp>
-        <p:nvSpPr>
-          <p:cNvPr id="6" name="Footer Placeholder 5">
-            <a:extLst>
-              <a:ext uri="{FF2B5EF4-FFF2-40B4-BE49-F238E27FC236}">
-                <a16:creationId xmlns:a16="http://schemas.microsoft.com/office/drawing/2014/main" id="{22614ADA-3A85-4178-9647-C10BE6EB4746}"/>
-              </a:ext>
-            </a:extLst>
-          </p:cNvPr>
-          <p:cNvSpPr>
-            <a:spLocks noGrp="1"/>
-          </p:cNvSpPr>
-          <p:nvPr>
-            <p:ph type="ftr" sz="quarter" idx="3"/>
-          </p:nvPr>
-        </p:nvSpPr>
-        <p:spPr/>
-        <p:txBody>
-          <a:bodyPr/>
-          <a:lstStyle/>
-          <a:p>
-            <a:r>
-              <a:rPr lang="en-US"/>
-              <a:t>Copyright © 2012 Simulation Educators</a:t>
-            </a:r>
-            <a:endParaRPr lang="en-US" dirty="0"/>
-          </a:p>
-        </p:txBody>
-      </p:sp>
-    </p:spTree>
-    <p:extLst>
-      <p:ext uri="{BB962C8B-B14F-4D97-AF65-F5344CB8AC3E}">
-        <p14:creationId xmlns:p14="http://schemas.microsoft.com/office/powerpoint/2010/main" val="3543013649"/>
-      </p:ext>
-    </p:extLst>
-  </p:cSld>
-  <p:clrMapOvr>
-    <a:masterClrMapping/>
-  </p:clrMapOvr>
-</p:sld>
-</file>
-
-<file path=ppt/slides/slide19.xml><?xml version="1.0" encoding="utf-8"?>
-<p:sld xmlns:a="http://schemas.openxmlformats.org/drawingml/2006/main" xmlns:r="http://schemas.openxmlformats.org/officeDocument/2006/relationships" xmlns:p="http://schemas.openxmlformats.org/presentationml/2006/main">
-  <p:cSld>
-    <p:spTree>
-      <p:nvGrpSpPr>
-        <p:cNvPr id="1" name=""/>
-        <p:cNvGrpSpPr/>
-        <p:nvPr/>
-      </p:nvGrpSpPr>
-      <p:grpSpPr>
-        <a:xfrm>
-          <a:off x="0" y="0"/>
-          <a:ext cx="0" cy="0"/>
-          <a:chOff x="0" y="0"/>
-          <a:chExt cx="0" cy="0"/>
-        </a:xfrm>
-      </p:grpSpPr>
-      <p:sp>
-        <p:nvSpPr>
           <p:cNvPr id="8" name="Title 7">
             <a:extLst>
               <a:ext uri="{FF2B5EF4-FFF2-40B4-BE49-F238E27FC236}">
@@ -11878,7 +11670,7 @@
           <a:p>
             <a:fld id="{799C26FD-E1A0-49B8-8B03-25A733166562}" type="slidenum">
               <a:rPr lang="en-US" smtClean="0"/>
-              <a:t>19</a:t>
+              <a:t>18</a:t>
             </a:fld>
             <a:endParaRPr lang="en-US" dirty="0"/>
           </a:p>
@@ -11956,7 +11748,7 @@
 </p:sld>
 </file>
 
-<file path=ppt/slides/slide2.xml><?xml version="1.0" encoding="utf-8"?>
+<file path=ppt/slides/slide19.xml><?xml version="1.0" encoding="utf-8"?>
 <p:sld xmlns:a="http://schemas.openxmlformats.org/drawingml/2006/main" xmlns:r="http://schemas.openxmlformats.org/officeDocument/2006/relationships" xmlns:p="http://schemas.openxmlformats.org/presentationml/2006/main">
   <p:cSld>
     <p:spTree>
@@ -11983,331 +11775,6 @@
             <p:ph type="title"/>
           </p:nvPr>
         </p:nvSpPr>
-        <p:spPr/>
-        <p:txBody>
-          <a:bodyPr/>
-          <a:lstStyle/>
-          <a:p>
-            <a:r>
-              <a:rPr lang="en-US" dirty="0"/>
-              <a:t>Text Analytics</a:t>
-            </a:r>
-          </a:p>
-        </p:txBody>
-      </p:sp>
-      <p:sp>
-        <p:nvSpPr>
-          <p:cNvPr id="8" name="Content Placeholder 7"/>
-          <p:cNvSpPr>
-            <a:spLocks noGrp="1"/>
-          </p:cNvSpPr>
-          <p:nvPr>
-            <p:ph sz="half" idx="1"/>
-          </p:nvPr>
-        </p:nvSpPr>
-        <p:spPr>
-          <a:xfrm>
-            <a:off x="406400" y="1825625"/>
-            <a:ext cx="5613400" cy="4351338"/>
-          </a:xfrm>
-        </p:spPr>
-        <p:txBody>
-          <a:bodyPr>
-            <a:normAutofit fontScale="70000" lnSpcReduction="20000"/>
-          </a:bodyPr>
-          <a:lstStyle/>
-          <a:p>
-            <a:pPr marL="0" indent="0">
-              <a:buNone/>
-            </a:pPr>
-            <a:r>
-              <a:rPr lang="en-US" dirty="0"/>
-              <a:t>Topic Modeling </a:t>
-            </a:r>
-          </a:p>
-          <a:p>
-            <a:r>
-              <a:rPr lang="en-US" dirty="0"/>
-              <a:t>Used in machine learning and natural language processing</a:t>
-            </a:r>
-          </a:p>
-          <a:p>
-            <a:r>
-              <a:rPr lang="en-US" dirty="0"/>
-              <a:t>A type of statistical model for discovering the abstract "topics" that occur in a collection of documents. </a:t>
-            </a:r>
-          </a:p>
-          <a:p>
-            <a:r>
-              <a:rPr lang="en-US" b="1" dirty="0"/>
-              <a:t>F</a:t>
-            </a:r>
-            <a:r>
-              <a:rPr lang="en-US" dirty="0"/>
-              <a:t>requently used text-mining tool for discovery of hidden semantic structures in a text body</a:t>
-            </a:r>
-          </a:p>
-          <a:p>
-            <a:r>
-              <a:rPr lang="en-US" dirty="0"/>
-              <a:t>The "topics" produced are clusters of similar words</a:t>
-            </a:r>
-          </a:p>
-          <a:p>
-            <a:r>
-              <a:rPr lang="en-US" dirty="0"/>
-              <a:t>captures this intuition in a mathematical framework, which </a:t>
-            </a:r>
-          </a:p>
-          <a:p>
-            <a:pPr lvl="1"/>
-            <a:r>
-              <a:rPr lang="en-US" dirty="0"/>
-              <a:t>allows examining a set of documents </a:t>
-            </a:r>
-          </a:p>
-          <a:p>
-            <a:pPr lvl="1"/>
-            <a:r>
-              <a:rPr lang="en-US" dirty="0"/>
-              <a:t>discovering what the topics might be </a:t>
-            </a:r>
-          </a:p>
-          <a:p>
-            <a:pPr lvl="1"/>
-            <a:r>
-              <a:rPr lang="en-US" dirty="0"/>
-              <a:t>discovering what each document's balance of topics is </a:t>
-            </a:r>
-          </a:p>
-          <a:p>
-            <a:pPr lvl="1"/>
-            <a:r>
-              <a:rPr lang="en-US" dirty="0"/>
-              <a:t>based on the statistics of the words in each</a:t>
-            </a:r>
-          </a:p>
-        </p:txBody>
-      </p:sp>
-      <p:sp>
-        <p:nvSpPr>
-          <p:cNvPr id="9" name="Content Placeholder 8"/>
-          <p:cNvSpPr>
-            <a:spLocks noGrp="1"/>
-          </p:cNvSpPr>
-          <p:nvPr>
-            <p:ph sz="half" idx="2"/>
-          </p:nvPr>
-        </p:nvSpPr>
-        <p:spPr/>
-        <p:txBody>
-          <a:bodyPr>
-            <a:normAutofit fontScale="70000" lnSpcReduction="20000"/>
-          </a:bodyPr>
-          <a:lstStyle/>
-          <a:p>
-            <a:pPr marL="0" indent="0">
-              <a:buNone/>
-            </a:pPr>
-            <a:r>
-              <a:rPr lang="en-US" dirty="0"/>
-              <a:t>Sentiment Analysis</a:t>
-            </a:r>
-          </a:p>
-          <a:p>
-            <a:r>
-              <a:rPr lang="en-US" dirty="0"/>
-              <a:t>aims to determine the attitude of a speaker, writer, or other subject:</a:t>
-            </a:r>
-          </a:p>
-          <a:p>
-            <a:pPr lvl="1"/>
-            <a:r>
-              <a:rPr lang="en-US" dirty="0"/>
-              <a:t>with respect to some topic </a:t>
-            </a:r>
-          </a:p>
-          <a:p>
-            <a:pPr lvl="1"/>
-            <a:r>
-              <a:rPr lang="en-US" dirty="0"/>
-              <a:t>the overall contextual polarity </a:t>
-            </a:r>
-          </a:p>
-          <a:p>
-            <a:pPr lvl="1"/>
-            <a:r>
-              <a:rPr lang="en-US" dirty="0"/>
-              <a:t>emotional reaction to a interaction, or event</a:t>
-            </a:r>
-          </a:p>
-          <a:p>
-            <a:pPr lvl="1"/>
-            <a:r>
-              <a:rPr lang="en-US" dirty="0"/>
-              <a:t>The attitude may be </a:t>
-            </a:r>
-          </a:p>
-          <a:p>
-            <a:pPr lvl="1"/>
-            <a:r>
-              <a:rPr lang="en-US" dirty="0"/>
-              <a:t>a judgment or evaluation </a:t>
-            </a:r>
-          </a:p>
-          <a:p>
-            <a:pPr lvl="1"/>
-            <a:r>
-              <a:rPr lang="en-US" dirty="0"/>
-              <a:t>affective state (emotional state author) </a:t>
-            </a:r>
-          </a:p>
-          <a:p>
-            <a:pPr lvl="1"/>
-            <a:r>
-              <a:rPr lang="en-US" dirty="0"/>
-              <a:t>the intended emotional communication</a:t>
-            </a:r>
-          </a:p>
-          <a:p>
-            <a:r>
-              <a:rPr lang="en-US" dirty="0"/>
-              <a:t>widely applied to voice of the customer materials such as: </a:t>
-            </a:r>
-          </a:p>
-          <a:p>
-            <a:pPr lvl="1"/>
-            <a:r>
-              <a:rPr lang="en-US" dirty="0"/>
-              <a:t>reviews and survey responses</a:t>
-            </a:r>
-          </a:p>
-          <a:p>
-            <a:pPr lvl="1"/>
-            <a:r>
-              <a:rPr lang="en-US" dirty="0"/>
-              <a:t>online and social media</a:t>
-            </a:r>
-          </a:p>
-          <a:p>
-            <a:pPr lvl="1"/>
-            <a:r>
-              <a:rPr lang="en-US" dirty="0"/>
-              <a:t>healthcare materials for applications</a:t>
-            </a:r>
-          </a:p>
-        </p:txBody>
-      </p:sp>
-      <p:sp>
-        <p:nvSpPr>
-          <p:cNvPr id="4" name="Date Placeholder 3"/>
-          <p:cNvSpPr>
-            <a:spLocks noGrp="1"/>
-          </p:cNvSpPr>
-          <p:nvPr>
-            <p:ph type="dt" sz="half" idx="10"/>
-          </p:nvPr>
-        </p:nvSpPr>
-        <p:spPr/>
-        <p:txBody>
-          <a:bodyPr/>
-          <a:lstStyle/>
-          <a:p>
-            <a:r>
-              <a:rPr lang="en-US"/>
-              <a:t>8/4/2018</a:t>
-            </a:r>
-            <a:endParaRPr lang="en-US" dirty="0"/>
-          </a:p>
-        </p:txBody>
-      </p:sp>
-      <p:sp>
-        <p:nvSpPr>
-          <p:cNvPr id="6" name="Footer Placeholder 5"/>
-          <p:cNvSpPr>
-            <a:spLocks noGrp="1"/>
-          </p:cNvSpPr>
-          <p:nvPr>
-            <p:ph type="ftr" sz="quarter" idx="11"/>
-          </p:nvPr>
-        </p:nvSpPr>
-        <p:spPr/>
-        <p:txBody>
-          <a:bodyPr/>
-          <a:lstStyle/>
-          <a:p>
-            <a:r>
-              <a:rPr lang="en-US"/>
-              <a:t>Copyright © 2012 Simulation Educators</a:t>
-            </a:r>
-            <a:endParaRPr lang="en-US" dirty="0"/>
-          </a:p>
-        </p:txBody>
-      </p:sp>
-      <p:sp>
-        <p:nvSpPr>
-          <p:cNvPr id="5" name="Slide Number Placeholder 4"/>
-          <p:cNvSpPr>
-            <a:spLocks noGrp="1"/>
-          </p:cNvSpPr>
-          <p:nvPr>
-            <p:ph type="sldNum" sz="quarter" idx="12"/>
-          </p:nvPr>
-        </p:nvSpPr>
-        <p:spPr/>
-        <p:txBody>
-          <a:bodyPr/>
-          <a:lstStyle/>
-          <a:p>
-            <a:fld id="{799C26FD-E1A0-49B8-8B03-25A733166562}" type="slidenum">
-              <a:rPr lang="en-US" smtClean="0"/>
-              <a:pPr/>
-              <a:t>2</a:t>
-            </a:fld>
-            <a:endParaRPr lang="en-US" dirty="0"/>
-          </a:p>
-        </p:txBody>
-      </p:sp>
-    </p:spTree>
-    <p:extLst>
-      <p:ext uri="{BB962C8B-B14F-4D97-AF65-F5344CB8AC3E}">
-        <p14:creationId xmlns:p14="http://schemas.microsoft.com/office/powerpoint/2010/main" val="3486833178"/>
-      </p:ext>
-    </p:extLst>
-  </p:cSld>
-  <p:clrMapOvr>
-    <a:masterClrMapping/>
-  </p:clrMapOvr>
-</p:sld>
-</file>
-
-<file path=ppt/slides/slide20.xml><?xml version="1.0" encoding="utf-8"?>
-<p:sld xmlns:a="http://schemas.openxmlformats.org/drawingml/2006/main" xmlns:r="http://schemas.openxmlformats.org/officeDocument/2006/relationships" xmlns:p="http://schemas.openxmlformats.org/presentationml/2006/main">
-  <p:cSld>
-    <p:spTree>
-      <p:nvGrpSpPr>
-        <p:cNvPr id="1" name=""/>
-        <p:cNvGrpSpPr/>
-        <p:nvPr/>
-      </p:nvGrpSpPr>
-      <p:grpSpPr>
-        <a:xfrm>
-          <a:off x="0" y="0"/>
-          <a:ext cx="0" cy="0"/>
-          <a:chOff x="0" y="0"/>
-          <a:chExt cx="0" cy="0"/>
-        </a:xfrm>
-      </p:grpSpPr>
-      <p:sp>
-        <p:nvSpPr>
-          <p:cNvPr id="7" name="Title 6"/>
-          <p:cNvSpPr>
-            <a:spLocks noGrp="1"/>
-          </p:cNvSpPr>
-          <p:nvPr>
-            <p:ph type="title"/>
-          </p:nvPr>
-        </p:nvSpPr>
         <p:spPr>
           <a:xfrm>
             <a:off x="831850" y="1709738"/>
@@ -12498,7 +11965,7 @@
             <a:fld id="{799C26FD-E1A0-49B8-8B03-25A733166562}" type="slidenum">
               <a:rPr lang="en-US" smtClean="0"/>
               <a:pPr/>
-              <a:t>20</a:t>
+              <a:t>19</a:t>
             </a:fld>
             <a:endParaRPr lang="en-US" dirty="0"/>
           </a:p>
@@ -12526,6 +11993,331 @@
       </p:transition>
     </mc:Fallback>
   </mc:AlternateContent>
+</p:sld>
+</file>
+
+<file path=ppt/slides/slide2.xml><?xml version="1.0" encoding="utf-8"?>
+<p:sld xmlns:a="http://schemas.openxmlformats.org/drawingml/2006/main" xmlns:r="http://schemas.openxmlformats.org/officeDocument/2006/relationships" xmlns:p="http://schemas.openxmlformats.org/presentationml/2006/main">
+  <p:cSld>
+    <p:spTree>
+      <p:nvGrpSpPr>
+        <p:cNvPr id="1" name=""/>
+        <p:cNvGrpSpPr/>
+        <p:nvPr/>
+      </p:nvGrpSpPr>
+      <p:grpSpPr>
+        <a:xfrm>
+          <a:off x="0" y="0"/>
+          <a:ext cx="0" cy="0"/>
+          <a:chOff x="0" y="0"/>
+          <a:chExt cx="0" cy="0"/>
+        </a:xfrm>
+      </p:grpSpPr>
+      <p:sp>
+        <p:nvSpPr>
+          <p:cNvPr id="7" name="Title 6"/>
+          <p:cNvSpPr>
+            <a:spLocks noGrp="1"/>
+          </p:cNvSpPr>
+          <p:nvPr>
+            <p:ph type="title"/>
+          </p:nvPr>
+        </p:nvSpPr>
+        <p:spPr/>
+        <p:txBody>
+          <a:bodyPr/>
+          <a:lstStyle/>
+          <a:p>
+            <a:r>
+              <a:rPr lang="en-US" dirty="0"/>
+              <a:t>Text Analytics</a:t>
+            </a:r>
+          </a:p>
+        </p:txBody>
+      </p:sp>
+      <p:sp>
+        <p:nvSpPr>
+          <p:cNvPr id="8" name="Content Placeholder 7"/>
+          <p:cNvSpPr>
+            <a:spLocks noGrp="1"/>
+          </p:cNvSpPr>
+          <p:nvPr>
+            <p:ph sz="half" idx="1"/>
+          </p:nvPr>
+        </p:nvSpPr>
+        <p:spPr>
+          <a:xfrm>
+            <a:off x="406400" y="1825625"/>
+            <a:ext cx="5613400" cy="4351338"/>
+          </a:xfrm>
+        </p:spPr>
+        <p:txBody>
+          <a:bodyPr>
+            <a:normAutofit fontScale="70000" lnSpcReduction="20000"/>
+          </a:bodyPr>
+          <a:lstStyle/>
+          <a:p>
+            <a:pPr marL="0" indent="0">
+              <a:buNone/>
+            </a:pPr>
+            <a:r>
+              <a:rPr lang="en-US" dirty="0"/>
+              <a:t>Topic Modeling </a:t>
+            </a:r>
+          </a:p>
+          <a:p>
+            <a:r>
+              <a:rPr lang="en-US" dirty="0"/>
+              <a:t>Used in machine learning and natural language processing</a:t>
+            </a:r>
+          </a:p>
+          <a:p>
+            <a:r>
+              <a:rPr lang="en-US" dirty="0"/>
+              <a:t>A type of statistical model for discovering the abstract "topics" that occur in a collection of documents. </a:t>
+            </a:r>
+          </a:p>
+          <a:p>
+            <a:r>
+              <a:rPr lang="en-US" b="1" dirty="0"/>
+              <a:t>F</a:t>
+            </a:r>
+            <a:r>
+              <a:rPr lang="en-US" dirty="0"/>
+              <a:t>requently used text-mining tool for discovery of hidden semantic structures in a text body</a:t>
+            </a:r>
+          </a:p>
+          <a:p>
+            <a:r>
+              <a:rPr lang="en-US" dirty="0"/>
+              <a:t>The "topics" produced are clusters of similar words</a:t>
+            </a:r>
+          </a:p>
+          <a:p>
+            <a:r>
+              <a:rPr lang="en-US" dirty="0"/>
+              <a:t>captures this intuition in a mathematical framework, which </a:t>
+            </a:r>
+          </a:p>
+          <a:p>
+            <a:pPr lvl="1"/>
+            <a:r>
+              <a:rPr lang="en-US" dirty="0"/>
+              <a:t>allows examining a set of documents </a:t>
+            </a:r>
+          </a:p>
+          <a:p>
+            <a:pPr lvl="1"/>
+            <a:r>
+              <a:rPr lang="en-US" dirty="0"/>
+              <a:t>discovering what the topics might be </a:t>
+            </a:r>
+          </a:p>
+          <a:p>
+            <a:pPr lvl="1"/>
+            <a:r>
+              <a:rPr lang="en-US" dirty="0"/>
+              <a:t>discovering what each document's balance of topics is </a:t>
+            </a:r>
+          </a:p>
+          <a:p>
+            <a:pPr lvl="1"/>
+            <a:r>
+              <a:rPr lang="en-US" dirty="0"/>
+              <a:t>based on the statistics of the words in each</a:t>
+            </a:r>
+          </a:p>
+        </p:txBody>
+      </p:sp>
+      <p:sp>
+        <p:nvSpPr>
+          <p:cNvPr id="9" name="Content Placeholder 8"/>
+          <p:cNvSpPr>
+            <a:spLocks noGrp="1"/>
+          </p:cNvSpPr>
+          <p:nvPr>
+            <p:ph sz="half" idx="2"/>
+          </p:nvPr>
+        </p:nvSpPr>
+        <p:spPr/>
+        <p:txBody>
+          <a:bodyPr>
+            <a:normAutofit fontScale="70000" lnSpcReduction="20000"/>
+          </a:bodyPr>
+          <a:lstStyle/>
+          <a:p>
+            <a:pPr marL="0" indent="0">
+              <a:buNone/>
+            </a:pPr>
+            <a:r>
+              <a:rPr lang="en-US" dirty="0"/>
+              <a:t>Sentiment Analysis</a:t>
+            </a:r>
+          </a:p>
+          <a:p>
+            <a:r>
+              <a:rPr lang="en-US" dirty="0"/>
+              <a:t>aims to determine the attitude of a speaker, writer, or other subject:</a:t>
+            </a:r>
+          </a:p>
+          <a:p>
+            <a:pPr lvl="1"/>
+            <a:r>
+              <a:rPr lang="en-US" dirty="0"/>
+              <a:t>with respect to some topic </a:t>
+            </a:r>
+          </a:p>
+          <a:p>
+            <a:pPr lvl="1"/>
+            <a:r>
+              <a:rPr lang="en-US" dirty="0"/>
+              <a:t>the overall contextual polarity </a:t>
+            </a:r>
+          </a:p>
+          <a:p>
+            <a:pPr lvl="1"/>
+            <a:r>
+              <a:rPr lang="en-US" dirty="0"/>
+              <a:t>emotional reaction to a interaction, or event</a:t>
+            </a:r>
+          </a:p>
+          <a:p>
+            <a:pPr lvl="1"/>
+            <a:r>
+              <a:rPr lang="en-US" dirty="0"/>
+              <a:t>The attitude may be </a:t>
+            </a:r>
+          </a:p>
+          <a:p>
+            <a:pPr lvl="1"/>
+            <a:r>
+              <a:rPr lang="en-US" dirty="0"/>
+              <a:t>a judgment or evaluation </a:t>
+            </a:r>
+          </a:p>
+          <a:p>
+            <a:pPr lvl="1"/>
+            <a:r>
+              <a:rPr lang="en-US" dirty="0"/>
+              <a:t>affective state (emotional state author) </a:t>
+            </a:r>
+          </a:p>
+          <a:p>
+            <a:pPr lvl="1"/>
+            <a:r>
+              <a:rPr lang="en-US" dirty="0"/>
+              <a:t>the intended emotional communication</a:t>
+            </a:r>
+          </a:p>
+          <a:p>
+            <a:r>
+              <a:rPr lang="en-US" dirty="0"/>
+              <a:t>widely applied to voice of the customer materials such as: </a:t>
+            </a:r>
+          </a:p>
+          <a:p>
+            <a:pPr lvl="1"/>
+            <a:r>
+              <a:rPr lang="en-US" dirty="0"/>
+              <a:t>reviews and survey responses</a:t>
+            </a:r>
+          </a:p>
+          <a:p>
+            <a:pPr lvl="1"/>
+            <a:r>
+              <a:rPr lang="en-US" dirty="0"/>
+              <a:t>online and social media</a:t>
+            </a:r>
+          </a:p>
+          <a:p>
+            <a:pPr lvl="1"/>
+            <a:r>
+              <a:rPr lang="en-US" dirty="0"/>
+              <a:t>healthcare materials for applications</a:t>
+            </a:r>
+          </a:p>
+        </p:txBody>
+      </p:sp>
+      <p:sp>
+        <p:nvSpPr>
+          <p:cNvPr id="4" name="Date Placeholder 3"/>
+          <p:cNvSpPr>
+            <a:spLocks noGrp="1"/>
+          </p:cNvSpPr>
+          <p:nvPr>
+            <p:ph type="dt" sz="half" idx="10"/>
+          </p:nvPr>
+        </p:nvSpPr>
+        <p:spPr/>
+        <p:txBody>
+          <a:bodyPr/>
+          <a:lstStyle/>
+          <a:p>
+            <a:r>
+              <a:rPr lang="en-US"/>
+              <a:t>8/4/2018</a:t>
+            </a:r>
+            <a:endParaRPr lang="en-US" dirty="0"/>
+          </a:p>
+        </p:txBody>
+      </p:sp>
+      <p:sp>
+        <p:nvSpPr>
+          <p:cNvPr id="6" name="Footer Placeholder 5"/>
+          <p:cNvSpPr>
+            <a:spLocks noGrp="1"/>
+          </p:cNvSpPr>
+          <p:nvPr>
+            <p:ph type="ftr" sz="quarter" idx="11"/>
+          </p:nvPr>
+        </p:nvSpPr>
+        <p:spPr/>
+        <p:txBody>
+          <a:bodyPr/>
+          <a:lstStyle/>
+          <a:p>
+            <a:r>
+              <a:rPr lang="en-US"/>
+              <a:t>Copyright © 2012 Simulation Educators</a:t>
+            </a:r>
+            <a:endParaRPr lang="en-US" dirty="0"/>
+          </a:p>
+        </p:txBody>
+      </p:sp>
+      <p:sp>
+        <p:nvSpPr>
+          <p:cNvPr id="5" name="Slide Number Placeholder 4"/>
+          <p:cNvSpPr>
+            <a:spLocks noGrp="1"/>
+          </p:cNvSpPr>
+          <p:nvPr>
+            <p:ph type="sldNum" sz="quarter" idx="12"/>
+          </p:nvPr>
+        </p:nvSpPr>
+        <p:spPr/>
+        <p:txBody>
+          <a:bodyPr/>
+          <a:lstStyle/>
+          <a:p>
+            <a:fld id="{799C26FD-E1A0-49B8-8B03-25A733166562}" type="slidenum">
+              <a:rPr lang="en-US" smtClean="0"/>
+              <a:pPr/>
+              <a:t>2</a:t>
+            </a:fld>
+            <a:endParaRPr lang="en-US" dirty="0"/>
+          </a:p>
+        </p:txBody>
+      </p:sp>
+    </p:spTree>
+    <p:extLst>
+      <p:ext uri="{BB962C8B-B14F-4D97-AF65-F5344CB8AC3E}">
+        <p14:creationId xmlns:p14="http://schemas.microsoft.com/office/powerpoint/2010/main" val="3486833178"/>
+      </p:ext>
+    </p:extLst>
+  </p:cSld>
+  <p:clrMapOvr>
+    <a:masterClrMapping/>
+  </p:clrMapOvr>
 </p:sld>
 </file>
 
@@ -13108,7 +12900,7 @@
         <p:spPr/>
         <p:txBody>
           <a:bodyPr>
-            <a:normAutofit fontScale="62500" lnSpcReduction="20000"/>
+            <a:normAutofit fontScale="70000" lnSpcReduction="20000"/>
           </a:bodyPr>
           <a:lstStyle/>
           <a:p>
@@ -13190,7 +12982,7 @@
         <p:spPr/>
         <p:txBody>
           <a:bodyPr>
-            <a:normAutofit fontScale="62500" lnSpcReduction="20000"/>
+            <a:normAutofit fontScale="70000" lnSpcReduction="20000"/>
           </a:bodyPr>
           <a:lstStyle/>
           <a:p>
@@ -13846,7 +13638,7 @@
         <p:spPr/>
         <p:txBody>
           <a:bodyPr>
-            <a:normAutofit fontScale="77500" lnSpcReduction="20000"/>
+            <a:normAutofit fontScale="85000" lnSpcReduction="20000"/>
           </a:bodyPr>
           <a:lstStyle/>
           <a:p>
@@ -13942,7 +13734,7 @@
         <p:spPr/>
         <p:txBody>
           <a:bodyPr>
-            <a:normAutofit fontScale="77500" lnSpcReduction="20000"/>
+            <a:normAutofit fontScale="85000" lnSpcReduction="20000"/>
           </a:bodyPr>
           <a:lstStyle/>
           <a:p>
@@ -14172,9 +13964,14 @@
             <p:ph type="body" idx="1"/>
           </p:nvPr>
         </p:nvSpPr>
-        <p:spPr/>
-        <p:txBody>
-          <a:bodyPr/>
+        <p:spPr>
+          <a:xfrm>
+            <a:off x="839788" y="1224190"/>
+            <a:ext cx="5157787" cy="823912"/>
+          </a:xfrm>
+        </p:spPr>
+        <p:txBody>
+          <a:bodyPr anchor="ctr"/>
           <a:lstStyle/>
           <a:p>
             <a:r>
@@ -14203,7 +14000,7 @@
         <p:spPr/>
         <p:txBody>
           <a:bodyPr>
-            <a:normAutofit fontScale="55000" lnSpcReduction="20000"/>
+            <a:normAutofit fontScale="62500" lnSpcReduction="20000"/>
           </a:bodyPr>
           <a:lstStyle/>
           <a:p>
@@ -14322,9 +14119,14 @@
             <p:ph type="body" sz="quarter" idx="3"/>
           </p:nvPr>
         </p:nvSpPr>
-        <p:spPr/>
-        <p:txBody>
-          <a:bodyPr/>
+        <p:spPr>
+          <a:xfrm>
+            <a:off x="6172200" y="1224190"/>
+            <a:ext cx="5183188" cy="823912"/>
+          </a:xfrm>
+        </p:spPr>
+        <p:txBody>
+          <a:bodyPr anchor="ctr"/>
           <a:lstStyle/>
           <a:p>
             <a:r>
@@ -14353,7 +14155,7 @@
         <p:spPr/>
         <p:txBody>
           <a:bodyPr>
-            <a:normAutofit fontScale="55000" lnSpcReduction="20000"/>
+            <a:noAutofit/>
           </a:bodyPr>
           <a:lstStyle/>
           <a:p>
@@ -14933,7 +14735,7 @@
         <p:spPr/>
         <p:txBody>
           <a:bodyPr>
-            <a:normAutofit fontScale="77500" lnSpcReduction="20000"/>
+            <a:normAutofit fontScale="92500" lnSpcReduction="20000"/>
           </a:bodyPr>
           <a:lstStyle/>
           <a:p>
@@ -15031,7 +14833,7 @@
         <p:spPr/>
         <p:txBody>
           <a:bodyPr>
-            <a:normAutofit fontScale="77500" lnSpcReduction="20000"/>
+            <a:normAutofit fontScale="92500" lnSpcReduction="20000"/>
           </a:bodyPr>
           <a:lstStyle/>
           <a:p>
@@ -15421,7 +15223,7 @@
   <a:extraClrSchemeLst/>
   <a:extLst>
     <a:ext uri="{05A4C25C-085E-4340-85A3-A5531E510DB2}">
-      <thm15:themeFamily xmlns:thm15="http://schemas.microsoft.com/office/thememl/2012/main" name="Lesson 12 - Data Analytics - GLMs" id="{2D671843-01B0-4809-83B7-DCD6022711AC}" vid="{631529AC-459A-4F8A-9050-54C0368E42C7}"/>
+      <thm15:themeFamily xmlns:thm15="http://schemas.microsoft.com/office/thememl/2012/main" name="Analytics_World" id="{0D0CA6F4-4249-491F-90A1-38D2E759BAFB}" vid="{73C02A8C-8EF0-4E7B-9EF2-CA7EFEB1E564}"/>
     </a:ext>
   </a:extLst>
 </a:theme>
